--- a/img/icons.pptx
+++ b/img/icons.pptx
@@ -15,6 +15,7 @@
     <p:sldId id="262" r:id="rId9"/>
     <p:sldId id="263" r:id="rId10"/>
     <p:sldId id="264" r:id="rId11"/>
+    <p:sldId id="266" r:id="rId12"/>
   </p:sldIdLst>
   <p:sldSz cx="12192000" cy="6858000"/>
   <p:notesSz cx="6858000" cy="9144000"/>
@@ -268,7 +269,7 @@
           <a:p>
             <a:fld id="{EB91C3E4-E079-4545-B652-6CBC7C90CD22}" type="datetimeFigureOut">
               <a:rPr lang="en-GB" smtClean="0"/>
-              <a:t>18/02/2020</a:t>
+              <a:t>17/06/2020</a:t>
             </a:fld>
             <a:endParaRPr lang="en-GB"/>
           </a:p>
@@ -466,7 +467,7 @@
           <a:p>
             <a:fld id="{EB91C3E4-E079-4545-B652-6CBC7C90CD22}" type="datetimeFigureOut">
               <a:rPr lang="en-GB" smtClean="0"/>
-              <a:t>18/02/2020</a:t>
+              <a:t>17/06/2020</a:t>
             </a:fld>
             <a:endParaRPr lang="en-GB"/>
           </a:p>
@@ -674,7 +675,7 @@
           <a:p>
             <a:fld id="{EB91C3E4-E079-4545-B652-6CBC7C90CD22}" type="datetimeFigureOut">
               <a:rPr lang="en-GB" smtClean="0"/>
-              <a:t>18/02/2020</a:t>
+              <a:t>17/06/2020</a:t>
             </a:fld>
             <a:endParaRPr lang="en-GB"/>
           </a:p>
@@ -872,7 +873,7 @@
           <a:p>
             <a:fld id="{EB91C3E4-E079-4545-B652-6CBC7C90CD22}" type="datetimeFigureOut">
               <a:rPr lang="en-GB" smtClean="0"/>
-              <a:t>18/02/2020</a:t>
+              <a:t>17/06/2020</a:t>
             </a:fld>
             <a:endParaRPr lang="en-GB"/>
           </a:p>
@@ -1147,7 +1148,7 @@
           <a:p>
             <a:fld id="{EB91C3E4-E079-4545-B652-6CBC7C90CD22}" type="datetimeFigureOut">
               <a:rPr lang="en-GB" smtClean="0"/>
-              <a:t>18/02/2020</a:t>
+              <a:t>17/06/2020</a:t>
             </a:fld>
             <a:endParaRPr lang="en-GB"/>
           </a:p>
@@ -1412,7 +1413,7 @@
           <a:p>
             <a:fld id="{EB91C3E4-E079-4545-B652-6CBC7C90CD22}" type="datetimeFigureOut">
               <a:rPr lang="en-GB" smtClean="0"/>
-              <a:t>18/02/2020</a:t>
+              <a:t>17/06/2020</a:t>
             </a:fld>
             <a:endParaRPr lang="en-GB"/>
           </a:p>
@@ -1824,7 +1825,7 @@
           <a:p>
             <a:fld id="{EB91C3E4-E079-4545-B652-6CBC7C90CD22}" type="datetimeFigureOut">
               <a:rPr lang="en-GB" smtClean="0"/>
-              <a:t>18/02/2020</a:t>
+              <a:t>17/06/2020</a:t>
             </a:fld>
             <a:endParaRPr lang="en-GB"/>
           </a:p>
@@ -1965,7 +1966,7 @@
           <a:p>
             <a:fld id="{EB91C3E4-E079-4545-B652-6CBC7C90CD22}" type="datetimeFigureOut">
               <a:rPr lang="en-GB" smtClean="0"/>
-              <a:t>18/02/2020</a:t>
+              <a:t>17/06/2020</a:t>
             </a:fld>
             <a:endParaRPr lang="en-GB"/>
           </a:p>
@@ -2078,7 +2079,7 @@
           <a:p>
             <a:fld id="{EB91C3E4-E079-4545-B652-6CBC7C90CD22}" type="datetimeFigureOut">
               <a:rPr lang="en-GB" smtClean="0"/>
-              <a:t>18/02/2020</a:t>
+              <a:t>17/06/2020</a:t>
             </a:fld>
             <a:endParaRPr lang="en-GB"/>
           </a:p>
@@ -2389,7 +2390,7 @@
           <a:p>
             <a:fld id="{EB91C3E4-E079-4545-B652-6CBC7C90CD22}" type="datetimeFigureOut">
               <a:rPr lang="en-GB" smtClean="0"/>
-              <a:t>18/02/2020</a:t>
+              <a:t>17/06/2020</a:t>
             </a:fld>
             <a:endParaRPr lang="en-GB"/>
           </a:p>
@@ -2677,7 +2678,7 @@
           <a:p>
             <a:fld id="{EB91C3E4-E079-4545-B652-6CBC7C90CD22}" type="datetimeFigureOut">
               <a:rPr lang="en-GB" smtClean="0"/>
-              <a:t>18/02/2020</a:t>
+              <a:t>17/06/2020</a:t>
             </a:fld>
             <a:endParaRPr lang="en-GB"/>
           </a:p>
@@ -2918,7 +2919,7 @@
           <a:p>
             <a:fld id="{EB91C3E4-E079-4545-B652-6CBC7C90CD22}" type="datetimeFigureOut">
               <a:rPr lang="en-GB" smtClean="0"/>
-              <a:t>18/02/2020</a:t>
+              <a:t>17/06/2020</a:t>
             </a:fld>
             <a:endParaRPr lang="en-GB"/>
           </a:p>
@@ -3718,6 +3719,268 @@
 </p:sld>
 </file>
 
+<file path=ppt/slides/slide11.xml><?xml version="1.0" encoding="utf-8"?>
+<p:sld xmlns:a="http://schemas.openxmlformats.org/drawingml/2006/main" xmlns:r="http://schemas.openxmlformats.org/officeDocument/2006/relationships" xmlns:p="http://schemas.openxmlformats.org/presentationml/2006/main">
+  <p:cSld>
+    <p:spTree>
+      <p:nvGrpSpPr>
+        <p:cNvPr id="1" name=""/>
+        <p:cNvGrpSpPr/>
+        <p:nvPr/>
+      </p:nvGrpSpPr>
+      <p:grpSpPr>
+        <a:xfrm>
+          <a:off x="0" y="0"/>
+          <a:ext cx="0" cy="0"/>
+          <a:chOff x="0" y="0"/>
+          <a:chExt cx="0" cy="0"/>
+        </a:xfrm>
+      </p:grpSpPr>
+      <p:grpSp>
+        <p:nvGrpSpPr>
+          <p:cNvPr id="11" name="Group 10">
+            <a:extLst>
+              <a:ext uri="{FF2B5EF4-FFF2-40B4-BE49-F238E27FC236}">
+                <a16:creationId xmlns:a16="http://schemas.microsoft.com/office/drawing/2014/main" id="{E97AD835-1CAD-314F-9EFF-F3915B8C727F}"/>
+              </a:ext>
+            </a:extLst>
+          </p:cNvPr>
+          <p:cNvGrpSpPr/>
+          <p:nvPr/>
+        </p:nvGrpSpPr>
+        <p:grpSpPr>
+          <a:xfrm>
+            <a:off x="3243262" y="571500"/>
+            <a:ext cx="5329238" cy="5329238"/>
+            <a:chOff x="3243262" y="571500"/>
+            <a:chExt cx="5329238" cy="5329238"/>
+          </a:xfrm>
+        </p:grpSpPr>
+        <p:sp>
+          <p:nvSpPr>
+            <p:cNvPr id="9" name="Oval 8">
+              <a:extLst>
+                <a:ext uri="{FF2B5EF4-FFF2-40B4-BE49-F238E27FC236}">
+                  <a16:creationId xmlns:a16="http://schemas.microsoft.com/office/drawing/2014/main" id="{F02D3683-7760-1C40-B20E-87A0EB416644}"/>
+                </a:ext>
+              </a:extLst>
+            </p:cNvPr>
+            <p:cNvSpPr/>
+            <p:nvPr/>
+          </p:nvSpPr>
+          <p:spPr>
+            <a:xfrm>
+              <a:off x="3243262" y="571500"/>
+              <a:ext cx="5329238" cy="5329238"/>
+            </a:xfrm>
+            <a:prstGeom prst="ellipse">
+              <a:avLst/>
+            </a:prstGeom>
+            <a:solidFill>
+              <a:srgbClr val="77BCE5"/>
+            </a:solidFill>
+            <a:ln>
+              <a:noFill/>
+            </a:ln>
+          </p:spPr>
+          <p:style>
+            <a:lnRef idx="2">
+              <a:schemeClr val="accent1">
+                <a:shade val="50000"/>
+              </a:schemeClr>
+            </a:lnRef>
+            <a:fillRef idx="1">
+              <a:schemeClr val="accent1"/>
+            </a:fillRef>
+            <a:effectRef idx="0">
+              <a:schemeClr val="accent1"/>
+            </a:effectRef>
+            <a:fontRef idx="minor">
+              <a:schemeClr val="lt1"/>
+            </a:fontRef>
+          </p:style>
+          <p:txBody>
+            <a:bodyPr rtlCol="0" anchor="ctr"/>
+            <a:lstStyle/>
+            <a:p>
+              <a:pPr algn="ctr"/>
+              <a:endParaRPr lang="en-GB"/>
+            </a:p>
+          </p:txBody>
+        </p:sp>
+        <p:sp>
+          <p:nvSpPr>
+            <p:cNvPr id="10" name="Chord 9">
+              <a:extLst>
+                <a:ext uri="{FF2B5EF4-FFF2-40B4-BE49-F238E27FC236}">
+                  <a16:creationId xmlns:a16="http://schemas.microsoft.com/office/drawing/2014/main" id="{EF2039B0-BA14-9F4A-8A04-943A9A5875C1}"/>
+                </a:ext>
+              </a:extLst>
+            </p:cNvPr>
+            <p:cNvSpPr/>
+            <p:nvPr/>
+          </p:nvSpPr>
+          <p:spPr>
+            <a:xfrm>
+              <a:off x="3243262" y="571500"/>
+              <a:ext cx="5329237" cy="5329237"/>
+            </a:xfrm>
+            <a:prstGeom prst="chord">
+              <a:avLst>
+                <a:gd name="adj1" fmla="val 5382336"/>
+                <a:gd name="adj2" fmla="val 16200000"/>
+              </a:avLst>
+            </a:prstGeom>
+            <a:solidFill>
+              <a:srgbClr val="619ABA"/>
+            </a:solidFill>
+            <a:ln>
+              <a:noFill/>
+            </a:ln>
+          </p:spPr>
+          <p:style>
+            <a:lnRef idx="2">
+              <a:schemeClr val="accent1">
+                <a:shade val="50000"/>
+              </a:schemeClr>
+            </a:lnRef>
+            <a:fillRef idx="1">
+              <a:schemeClr val="accent1"/>
+            </a:fillRef>
+            <a:effectRef idx="0">
+              <a:schemeClr val="accent1"/>
+            </a:effectRef>
+            <a:fontRef idx="minor">
+              <a:schemeClr val="lt1"/>
+            </a:fontRef>
+          </p:style>
+          <p:txBody>
+            <a:bodyPr rtlCol="0" anchor="ctr"/>
+            <a:lstStyle/>
+            <a:p>
+              <a:pPr algn="ctr"/>
+              <a:endParaRPr lang="en-GB"/>
+            </a:p>
+          </p:txBody>
+        </p:sp>
+      </p:grpSp>
+      <p:sp>
+        <p:nvSpPr>
+          <p:cNvPr id="2" name="Right Arrow 1">
+            <a:extLst>
+              <a:ext uri="{FF2B5EF4-FFF2-40B4-BE49-F238E27FC236}">
+                <a16:creationId xmlns:a16="http://schemas.microsoft.com/office/drawing/2014/main" id="{11E01C4A-A239-C547-9113-2FC78475655C}"/>
+              </a:ext>
+            </a:extLst>
+          </p:cNvPr>
+          <p:cNvSpPr/>
+          <p:nvPr/>
+        </p:nvSpPr>
+        <p:spPr>
+          <a:xfrm>
+            <a:off x="4494169" y="1811557"/>
+            <a:ext cx="2827421" cy="1400498"/>
+          </a:xfrm>
+          <a:prstGeom prst="rightArrow">
+            <a:avLst/>
+          </a:prstGeom>
+          <a:solidFill>
+            <a:schemeClr val="bg1"/>
+          </a:solidFill>
+          <a:ln>
+            <a:noFill/>
+          </a:ln>
+        </p:spPr>
+        <p:style>
+          <a:lnRef idx="2">
+            <a:schemeClr val="accent1">
+              <a:shade val="50000"/>
+            </a:schemeClr>
+          </a:lnRef>
+          <a:fillRef idx="1">
+            <a:schemeClr val="accent1"/>
+          </a:fillRef>
+          <a:effectRef idx="0">
+            <a:schemeClr val="accent1"/>
+          </a:effectRef>
+          <a:fontRef idx="minor">
+            <a:schemeClr val="lt1"/>
+          </a:fontRef>
+        </p:style>
+        <p:txBody>
+          <a:bodyPr rtlCol="0" anchor="ctr"/>
+          <a:lstStyle/>
+          <a:p>
+            <a:pPr algn="ctr"/>
+            <a:endParaRPr lang="en-US"/>
+          </a:p>
+        </p:txBody>
+      </p:sp>
+      <p:sp>
+        <p:nvSpPr>
+          <p:cNvPr id="7" name="Right Arrow 6">
+            <a:extLst>
+              <a:ext uri="{FF2B5EF4-FFF2-40B4-BE49-F238E27FC236}">
+                <a16:creationId xmlns:a16="http://schemas.microsoft.com/office/drawing/2014/main" id="{C71A5AEE-72F8-7942-9A51-824C22750B23}"/>
+              </a:ext>
+            </a:extLst>
+          </p:cNvPr>
+          <p:cNvSpPr/>
+          <p:nvPr/>
+        </p:nvSpPr>
+        <p:spPr>
+          <a:xfrm rot="10800000">
+            <a:off x="4494169" y="3404937"/>
+            <a:ext cx="2827421" cy="1400498"/>
+          </a:xfrm>
+          <a:prstGeom prst="rightArrow">
+            <a:avLst/>
+          </a:prstGeom>
+          <a:solidFill>
+            <a:schemeClr val="bg1"/>
+          </a:solidFill>
+          <a:ln>
+            <a:noFill/>
+          </a:ln>
+        </p:spPr>
+        <p:style>
+          <a:lnRef idx="2">
+            <a:schemeClr val="accent1">
+              <a:shade val="50000"/>
+            </a:schemeClr>
+          </a:lnRef>
+          <a:fillRef idx="1">
+            <a:schemeClr val="accent1"/>
+          </a:fillRef>
+          <a:effectRef idx="0">
+            <a:schemeClr val="accent1"/>
+          </a:effectRef>
+          <a:fontRef idx="minor">
+            <a:schemeClr val="lt1"/>
+          </a:fontRef>
+        </p:style>
+        <p:txBody>
+          <a:bodyPr rtlCol="0" anchor="ctr"/>
+          <a:lstStyle/>
+          <a:p>
+            <a:pPr algn="ctr"/>
+            <a:endParaRPr lang="en-US"/>
+          </a:p>
+        </p:txBody>
+      </p:sp>
+    </p:spTree>
+    <p:extLst>
+      <p:ext uri="{BB962C8B-B14F-4D97-AF65-F5344CB8AC3E}">
+        <p14:creationId xmlns:p14="http://schemas.microsoft.com/office/powerpoint/2010/main" val="1924024460"/>
+      </p:ext>
+    </p:extLst>
+  </p:cSld>
+  <p:clrMapOvr>
+    <a:masterClrMapping/>
+  </p:clrMapOvr>
+</p:sld>
+</file>
+
 <file path=ppt/slides/slide2.xml><?xml version="1.0" encoding="utf-8"?>
 <p:sld xmlns:a="http://schemas.openxmlformats.org/drawingml/2006/main" xmlns:r="http://schemas.openxmlformats.org/officeDocument/2006/relationships" xmlns:p="http://schemas.openxmlformats.org/presentationml/2006/main">
   <p:cSld>
